--- a/DCGAN.pptx
+++ b/DCGAN.pptx
@@ -7,7 +7,13 @@
   <p:sldIdLst>
     <p:sldId id="256" r:id="rId2"/>
     <p:sldId id="257" r:id="rId3"/>
-    <p:sldId id="259" r:id="rId4"/>
+    <p:sldId id="260" r:id="rId4"/>
+    <p:sldId id="259" r:id="rId5"/>
+    <p:sldId id="261" r:id="rId6"/>
+    <p:sldId id="262" r:id="rId7"/>
+    <p:sldId id="263" r:id="rId8"/>
+    <p:sldId id="264" r:id="rId9"/>
+    <p:sldId id="265" r:id="rId10"/>
   </p:sldIdLst>
   <p:sldSz cx="12192000" cy="6858000"/>
   <p:notesSz cx="6858000" cy="9144000"/>
@@ -3510,6 +3516,263 @@
           <a:chExt cx="0" cy="0"/>
         </a:xfrm>
       </p:grpSpPr>
+      <p:sp>
+        <p:nvSpPr>
+          <p:cNvPr id="2" name="제목 1">
+            <a:extLst>
+              <a:ext uri="{FF2B5EF4-FFF2-40B4-BE49-F238E27FC236}">
+                <a16:creationId xmlns:a16="http://schemas.microsoft.com/office/drawing/2014/main" id="{D7014CCE-AB58-408D-A31E-3B240032A4FF}"/>
+              </a:ext>
+            </a:extLst>
+          </p:cNvPr>
+          <p:cNvSpPr>
+            <a:spLocks noGrp="1"/>
+          </p:cNvSpPr>
+          <p:nvPr>
+            <p:ph type="title"/>
+          </p:nvPr>
+        </p:nvSpPr>
+        <p:spPr/>
+        <p:txBody>
+          <a:bodyPr/>
+          <a:lstStyle/>
+          <a:p>
+            <a:r>
+              <a:rPr lang="en-US" altLang="ko-KR" dirty="0"/>
+              <a:t> fractionally-</a:t>
+            </a:r>
+            <a:r>
+              <a:rPr lang="en-US" altLang="ko-KR" dirty="0" err="1"/>
+              <a:t>strided</a:t>
+            </a:r>
+            <a:r>
+              <a:rPr lang="en-US" altLang="ko-KR" dirty="0"/>
+              <a:t> convolution</a:t>
+            </a:r>
+            <a:endParaRPr lang="ko-KR" altLang="en-US" dirty="0"/>
+          </a:p>
+        </p:txBody>
+      </p:sp>
+      <p:pic>
+        <p:nvPicPr>
+          <p:cNvPr id="2050" name="Picture 2" descr="https://dev-strender.github.io/img/posts/DeepLearning/padding_strides_transposed.gif">
+            <a:extLst>
+              <a:ext uri="{FF2B5EF4-FFF2-40B4-BE49-F238E27FC236}">
+                <a16:creationId xmlns:a16="http://schemas.microsoft.com/office/drawing/2014/main" id="{A2B7F7C4-022A-4A23-80CA-CEFF8877AC96}"/>
+              </a:ext>
+            </a:extLst>
+          </p:cNvPr>
+          <p:cNvPicPr>
+            <a:picLocks noGrp="1" noChangeAspect="1" noChangeArrowheads="1" noCrop="1"/>
+          </p:cNvPicPr>
+          <p:nvPr>
+            <p:ph idx="1"/>
+          </p:nvPr>
+        </p:nvPicPr>
+        <p:blipFill>
+          <a:blip r:embed="rId2">
+            <a:extLst>
+              <a:ext uri="{28A0092B-C50C-407E-A947-70E740481C1C}">
+                <a14:useLocalDpi xmlns:a14="http://schemas.microsoft.com/office/drawing/2010/main" val="0"/>
+              </a:ext>
+            </a:extLst>
+          </a:blip>
+          <a:srcRect/>
+          <a:stretch>
+            <a:fillRect/>
+          </a:stretch>
+        </p:blipFill>
+        <p:spPr bwMode="auto">
+          <a:xfrm>
+            <a:off x="838200" y="1813945"/>
+            <a:ext cx="3762375" cy="4276725"/>
+          </a:xfrm>
+          <a:prstGeom prst="rect">
+            <a:avLst/>
+          </a:prstGeom>
+          <a:noFill/>
+          <a:extLst>
+            <a:ext uri="{909E8E84-426E-40DD-AFC4-6F175D3DCCD1}">
+              <a14:hiddenFill xmlns:a14="http://schemas.microsoft.com/office/drawing/2010/main">
+                <a:solidFill>
+                  <a:srgbClr val="FFFFFF"/>
+                </a:solidFill>
+              </a14:hiddenFill>
+            </a:ext>
+          </a:extLst>
+        </p:spPr>
+      </p:pic>
+      <p:sp>
+        <p:nvSpPr>
+          <p:cNvPr id="4" name="TextBox 3">
+            <a:extLst>
+              <a:ext uri="{FF2B5EF4-FFF2-40B4-BE49-F238E27FC236}">
+                <a16:creationId xmlns:a16="http://schemas.microsoft.com/office/drawing/2014/main" id="{0BB34946-4B46-4BF5-AC78-FA3BCE59D9EB}"/>
+              </a:ext>
+            </a:extLst>
+          </p:cNvPr>
+          <p:cNvSpPr txBox="1"/>
+          <p:nvPr/>
+        </p:nvSpPr>
+        <p:spPr>
+          <a:xfrm>
+            <a:off x="1616528" y="6123543"/>
+            <a:ext cx="1882247" cy="369332"/>
+          </a:xfrm>
+          <a:prstGeom prst="rect">
+            <a:avLst/>
+          </a:prstGeom>
+          <a:noFill/>
+        </p:spPr>
+        <p:txBody>
+          <a:bodyPr wrap="none" rtlCol="0">
+            <a:spAutoFit/>
+          </a:bodyPr>
+          <a:lstStyle/>
+          <a:p>
+            <a:r>
+              <a:rPr lang="ko-KR" altLang="en-US" dirty="0"/>
+              <a:t>슬라이드 동영상</a:t>
+            </a:r>
+          </a:p>
+        </p:txBody>
+      </p:sp>
+      <p:sp>
+        <p:nvSpPr>
+          <p:cNvPr id="5" name="TextBox 4">
+            <a:extLst>
+              <a:ext uri="{FF2B5EF4-FFF2-40B4-BE49-F238E27FC236}">
+                <a16:creationId xmlns:a16="http://schemas.microsoft.com/office/drawing/2014/main" id="{CAA72E47-3DE7-41A7-8B9A-8C329B5D1956}"/>
+              </a:ext>
+            </a:extLst>
+          </p:cNvPr>
+          <p:cNvSpPr txBox="1"/>
+          <p:nvPr/>
+        </p:nvSpPr>
+        <p:spPr>
+          <a:xfrm>
+            <a:off x="5339443" y="2139043"/>
+            <a:ext cx="4546566" cy="646331"/>
+          </a:xfrm>
+          <a:prstGeom prst="rect">
+            <a:avLst/>
+          </a:prstGeom>
+          <a:noFill/>
+        </p:spPr>
+        <p:txBody>
+          <a:bodyPr wrap="none" rtlCol="0">
+            <a:spAutoFit/>
+          </a:bodyPr>
+          <a:lstStyle/>
+          <a:p>
+            <a:r>
+              <a:rPr lang="en-US" altLang="ko-KR" dirty="0"/>
+              <a:t>3x3 input</a:t>
+            </a:r>
+            <a:r>
+              <a:rPr lang="ko-KR" altLang="en-US" dirty="0"/>
+              <a:t>을 </a:t>
+            </a:r>
+            <a:r>
+              <a:rPr lang="en-US" altLang="ko-KR" dirty="0" err="1"/>
+              <a:t>upsampling</a:t>
+            </a:r>
+            <a:r>
+              <a:rPr lang="en-US" altLang="ko-KR" dirty="0"/>
+              <a:t> </a:t>
+            </a:r>
+            <a:r>
+              <a:rPr lang="ko-KR" altLang="en-US" dirty="0" err="1"/>
+              <a:t>한후</a:t>
+            </a:r>
+            <a:r>
+              <a:rPr lang="ko-KR" altLang="en-US" dirty="0"/>
+              <a:t> </a:t>
+            </a:r>
+            <a:r>
+              <a:rPr lang="en-US" altLang="ko-KR" dirty="0"/>
+              <a:t>convolution</a:t>
+            </a:r>
+          </a:p>
+          <a:p>
+            <a:r>
+              <a:rPr lang="en-US" altLang="ko-KR" dirty="0"/>
+              <a:t>-&gt; 5x5 output</a:t>
+            </a:r>
+            <a:endParaRPr lang="ko-KR" altLang="en-US" dirty="0"/>
+          </a:p>
+        </p:txBody>
+      </p:sp>
+      <p:sp>
+        <p:nvSpPr>
+          <p:cNvPr id="6" name="TextBox 5">
+            <a:extLst>
+              <a:ext uri="{FF2B5EF4-FFF2-40B4-BE49-F238E27FC236}">
+                <a16:creationId xmlns:a16="http://schemas.microsoft.com/office/drawing/2014/main" id="{C15F6E5D-F991-46DC-9D4B-A0AF2BB8A683}"/>
+              </a:ext>
+            </a:extLst>
+          </p:cNvPr>
+          <p:cNvSpPr txBox="1"/>
+          <p:nvPr/>
+        </p:nvSpPr>
+        <p:spPr>
+          <a:xfrm>
+            <a:off x="5339443" y="3769112"/>
+            <a:ext cx="3834961" cy="369332"/>
+          </a:xfrm>
+          <a:prstGeom prst="rect">
+            <a:avLst/>
+          </a:prstGeom>
+          <a:noFill/>
+        </p:spPr>
+        <p:txBody>
+          <a:bodyPr wrap="none" rtlCol="0">
+            <a:spAutoFit/>
+          </a:bodyPr>
+          <a:lstStyle/>
+          <a:p>
+            <a:r>
+              <a:rPr lang="en-US" altLang="ko-KR" dirty="0"/>
+              <a:t>=Full convolution = </a:t>
+            </a:r>
+            <a:r>
+              <a:rPr lang="en-US" altLang="ko-KR" dirty="0" err="1"/>
+              <a:t>upconvolution</a:t>
+            </a:r>
+            <a:endParaRPr lang="ko-KR" altLang="en-US" dirty="0"/>
+          </a:p>
+        </p:txBody>
+      </p:sp>
+    </p:spTree>
+    <p:extLst>
+      <p:ext uri="{BB962C8B-B14F-4D97-AF65-F5344CB8AC3E}">
+        <p14:creationId xmlns:p14="http://schemas.microsoft.com/office/powerpoint/2010/main" val="3704311510"/>
+      </p:ext>
+    </p:extLst>
+  </p:cSld>
+  <p:clrMapOvr>
+    <a:masterClrMapping/>
+  </p:clrMapOvr>
+</p:sld>
+</file>
+
+<file path=ppt/slides/slide4.xml><?xml version="1.0" encoding="utf-8"?>
+<p:sld xmlns:a="http://schemas.openxmlformats.org/drawingml/2006/main" xmlns:r="http://schemas.openxmlformats.org/officeDocument/2006/relationships" xmlns:p="http://schemas.openxmlformats.org/presentationml/2006/main">
+  <p:cSld>
+    <p:spTree>
+      <p:nvGrpSpPr>
+        <p:cNvPr id="1" name=""/>
+        <p:cNvGrpSpPr/>
+        <p:nvPr/>
+      </p:nvGrpSpPr>
+      <p:grpSpPr>
+        <a:xfrm>
+          <a:off x="0" y="0"/>
+          <a:ext cx="0" cy="0"/>
+          <a:chOff x="0" y="0"/>
+          <a:chExt cx="0" cy="0"/>
+        </a:xfrm>
+      </p:grpSpPr>
       <p:pic>
         <p:nvPicPr>
           <p:cNvPr id="1026" name="Picture 2" descr="https://1.bp.blogspot.com/-hkX67RkyI2U/WKF6KzuiKFI/AAAAAAAABSA/60yEaTULiqctNQeQz_my-thmh6nm4cPZgCK4B/s1600/dcgan-guideline.PNG">
@@ -3559,10 +3822,922 @@
           </a:extLst>
         </p:spPr>
       </p:pic>
+      <p:sp>
+        <p:nvSpPr>
+          <p:cNvPr id="4" name="TextBox 3">
+            <a:extLst>
+              <a:ext uri="{FF2B5EF4-FFF2-40B4-BE49-F238E27FC236}">
+                <a16:creationId xmlns:a16="http://schemas.microsoft.com/office/drawing/2014/main" id="{DB9D30CC-8B14-49C9-8382-D369F8A3ECBF}"/>
+              </a:ext>
+            </a:extLst>
+          </p:cNvPr>
+          <p:cNvSpPr txBox="1"/>
+          <p:nvPr/>
+        </p:nvSpPr>
+        <p:spPr>
+          <a:xfrm>
+            <a:off x="326571" y="3624943"/>
+            <a:ext cx="11913198" cy="1754326"/>
+          </a:xfrm>
+          <a:prstGeom prst="rect">
+            <a:avLst/>
+          </a:prstGeom>
+          <a:noFill/>
+        </p:spPr>
+        <p:txBody>
+          <a:bodyPr wrap="none" rtlCol="0">
+            <a:spAutoFit/>
+          </a:bodyPr>
+          <a:lstStyle/>
+          <a:p>
+            <a:r>
+              <a:rPr lang="en-US" altLang="ko-KR" dirty="0"/>
+              <a:t>1.Max-Pooling layer</a:t>
+            </a:r>
+            <a:r>
+              <a:rPr lang="ko-KR" altLang="en-US" dirty="0"/>
+              <a:t>를 없애고</a:t>
+            </a:r>
+            <a:r>
+              <a:rPr lang="en-US" altLang="ko-KR" dirty="0"/>
+              <a:t>, </a:t>
+            </a:r>
+            <a:r>
+              <a:rPr lang="en-US" altLang="ko-KR" dirty="0" err="1"/>
+              <a:t>strided</a:t>
+            </a:r>
+            <a:r>
+              <a:rPr lang="en-US" altLang="ko-KR" dirty="0"/>
+              <a:t> convolution</a:t>
+            </a:r>
+            <a:r>
+              <a:rPr lang="ko-KR" altLang="en-US" dirty="0"/>
+              <a:t>이나 </a:t>
+            </a:r>
+            <a:r>
+              <a:rPr lang="en-US" altLang="ko-KR" dirty="0"/>
+              <a:t>fractional-</a:t>
+            </a:r>
+            <a:r>
+              <a:rPr lang="en-US" altLang="ko-KR" dirty="0" err="1"/>
+              <a:t>strided</a:t>
+            </a:r>
+            <a:r>
+              <a:rPr lang="en-US" altLang="ko-KR" dirty="0"/>
+              <a:t> convolution </a:t>
+            </a:r>
+            <a:r>
+              <a:rPr lang="ko-KR" altLang="en-US" dirty="0"/>
+              <a:t>을</a:t>
+            </a:r>
+            <a:r>
+              <a:rPr lang="en-US" altLang="ko-KR" dirty="0"/>
+              <a:t> </a:t>
+            </a:r>
+            <a:r>
+              <a:rPr lang="ko-KR" altLang="en-US" dirty="0"/>
+              <a:t>사용하여 </a:t>
+            </a:r>
+            <a:r>
+              <a:rPr lang="en-US" altLang="ko-KR" dirty="0"/>
+              <a:t>feature map</a:t>
+            </a:r>
+          </a:p>
+          <a:p>
+            <a:r>
+              <a:rPr lang="ko-KR" altLang="en-US" dirty="0"/>
+              <a:t>조절</a:t>
+            </a:r>
+            <a:r>
+              <a:rPr lang="en-US" altLang="ko-KR" dirty="0"/>
+              <a:t>.</a:t>
+            </a:r>
+          </a:p>
+          <a:p>
+            <a:r>
+              <a:rPr lang="en-US" altLang="ko-KR" dirty="0"/>
+              <a:t>2. Batch normalization </a:t>
+            </a:r>
+            <a:r>
+              <a:rPr lang="ko-KR" altLang="en-US" dirty="0"/>
+              <a:t>적용</a:t>
+            </a:r>
+            <a:endParaRPr lang="en-US" altLang="ko-KR" dirty="0"/>
+          </a:p>
+          <a:p>
+            <a:r>
+              <a:rPr lang="en-US" altLang="ko-KR" dirty="0"/>
+              <a:t>3. Fully connected hidden layer </a:t>
+            </a:r>
+            <a:r>
+              <a:rPr lang="ko-KR" altLang="en-US" dirty="0"/>
+              <a:t>제거</a:t>
+            </a:r>
+            <a:endParaRPr lang="en-US" altLang="ko-KR" dirty="0"/>
+          </a:p>
+          <a:p>
+            <a:r>
+              <a:rPr lang="en-US" altLang="ko-KR" dirty="0"/>
+              <a:t>4. Generator</a:t>
+            </a:r>
+            <a:r>
+              <a:rPr lang="ko-KR" altLang="en-US" dirty="0"/>
+              <a:t>의 출력단의 활성함수로 </a:t>
+            </a:r>
+            <a:r>
+              <a:rPr lang="en-US" altLang="ko-KR" dirty="0"/>
+              <a:t>Tanh</a:t>
+            </a:r>
+            <a:r>
+              <a:rPr lang="ko-KR" altLang="en-US" dirty="0"/>
+              <a:t>를 사용</a:t>
+            </a:r>
+            <a:r>
+              <a:rPr lang="en-US" altLang="ko-KR" dirty="0"/>
+              <a:t>, </a:t>
+            </a:r>
+            <a:r>
+              <a:rPr lang="ko-KR" altLang="en-US" dirty="0"/>
+              <a:t>나머지 </a:t>
+            </a:r>
+            <a:r>
+              <a:rPr lang="en-US" altLang="ko-KR" dirty="0"/>
+              <a:t>layer</a:t>
+            </a:r>
+            <a:r>
+              <a:rPr lang="ko-KR" altLang="en-US" dirty="0"/>
+              <a:t>는 </a:t>
+            </a:r>
+            <a:r>
+              <a:rPr lang="en-US" altLang="ko-KR" dirty="0" err="1"/>
+              <a:t>ReLU</a:t>
+            </a:r>
+            <a:r>
+              <a:rPr lang="ko-KR" altLang="en-US" dirty="0"/>
+              <a:t>사용</a:t>
+            </a:r>
+            <a:endParaRPr lang="en-US" altLang="ko-KR" dirty="0"/>
+          </a:p>
+          <a:p>
+            <a:r>
+              <a:rPr lang="en-US" altLang="ko-KR" dirty="0"/>
+              <a:t>5. Discriminator</a:t>
+            </a:r>
+            <a:r>
+              <a:rPr lang="ko-KR" altLang="en-US" dirty="0"/>
+              <a:t>의 활성함수로 </a:t>
+            </a:r>
+            <a:r>
+              <a:rPr lang="en-US" altLang="ko-KR" dirty="0" err="1"/>
+              <a:t>LeakyReLU</a:t>
+            </a:r>
+            <a:r>
+              <a:rPr lang="ko-KR" altLang="en-US" dirty="0"/>
+              <a:t>를 사용</a:t>
+            </a:r>
+            <a:r>
+              <a:rPr lang="en-US" altLang="ko-KR" dirty="0"/>
+              <a:t>.</a:t>
+            </a:r>
+          </a:p>
+        </p:txBody>
+      </p:sp>
+      <p:sp>
+        <p:nvSpPr>
+          <p:cNvPr id="5" name="TextBox 4">
+            <a:extLst>
+              <a:ext uri="{FF2B5EF4-FFF2-40B4-BE49-F238E27FC236}">
+                <a16:creationId xmlns:a16="http://schemas.microsoft.com/office/drawing/2014/main" id="{A46DFF0E-7F9B-405B-85E2-4D4A81174EB3}"/>
+              </a:ext>
+            </a:extLst>
+          </p:cNvPr>
+          <p:cNvSpPr txBox="1"/>
+          <p:nvPr/>
+        </p:nvSpPr>
+        <p:spPr>
+          <a:xfrm>
+            <a:off x="447040" y="5720080"/>
+            <a:ext cx="11514819" cy="646331"/>
+          </a:xfrm>
+          <a:prstGeom prst="rect">
+            <a:avLst/>
+          </a:prstGeom>
+          <a:noFill/>
+        </p:spPr>
+        <p:txBody>
+          <a:bodyPr wrap="none" rtlCol="0">
+            <a:spAutoFit/>
+          </a:bodyPr>
+          <a:lstStyle/>
+          <a:p>
+            <a:r>
+              <a:rPr lang="ko-KR" altLang="en-US" dirty="0"/>
+              <a:t>참고</a:t>
+            </a:r>
+            <a:r>
+              <a:rPr lang="en-US" altLang="ko-KR" dirty="0"/>
+              <a:t>. </a:t>
+            </a:r>
+            <a:r>
+              <a:rPr lang="ko-KR" altLang="en-US" dirty="0"/>
+              <a:t>일반적인 </a:t>
+            </a:r>
+            <a:r>
+              <a:rPr lang="en-US" altLang="ko-KR" dirty="0" err="1"/>
+              <a:t>strided</a:t>
+            </a:r>
+            <a:r>
+              <a:rPr lang="en-US" altLang="ko-KR" dirty="0"/>
+              <a:t> convolution</a:t>
+            </a:r>
+            <a:r>
+              <a:rPr lang="ko-KR" altLang="en-US" dirty="0"/>
+              <a:t>에서 </a:t>
+            </a:r>
+            <a:r>
+              <a:rPr lang="en-US" altLang="ko-KR" dirty="0"/>
+              <a:t>stride</a:t>
+            </a:r>
+            <a:r>
+              <a:rPr lang="ko-KR" altLang="en-US" dirty="0"/>
+              <a:t>값을 </a:t>
+            </a:r>
+            <a:r>
+              <a:rPr lang="en-US" altLang="ko-KR" dirty="0"/>
+              <a:t>1 </a:t>
+            </a:r>
+            <a:r>
+              <a:rPr lang="ko-KR" altLang="en-US" dirty="0"/>
+              <a:t>이상으로 하면 이미지 크기를 줄이지만 </a:t>
+            </a:r>
+            <a:r>
+              <a:rPr lang="en-US" altLang="ko-KR" dirty="0"/>
+              <a:t>, 1</a:t>
+            </a:r>
+            <a:r>
+              <a:rPr lang="ko-KR" altLang="en-US" dirty="0"/>
+              <a:t>이하의 분수로</a:t>
+            </a:r>
+            <a:endParaRPr lang="en-US" altLang="ko-KR" dirty="0"/>
+          </a:p>
+          <a:p>
+            <a:r>
+              <a:rPr lang="ko-KR" altLang="en-US" dirty="0"/>
+              <a:t>하면 </a:t>
+            </a:r>
+            <a:r>
+              <a:rPr lang="en-US" altLang="ko-KR" dirty="0"/>
+              <a:t>(fractional-</a:t>
+            </a:r>
+            <a:r>
+              <a:rPr lang="en-US" altLang="ko-KR" dirty="0" err="1"/>
+              <a:t>strided</a:t>
+            </a:r>
+            <a:r>
+              <a:rPr lang="en-US" altLang="ko-KR" dirty="0"/>
+              <a:t> convolution) </a:t>
+            </a:r>
+            <a:r>
+              <a:rPr lang="ko-KR" altLang="en-US" dirty="0"/>
+              <a:t>이미지 크기 증가</a:t>
+            </a:r>
+            <a:r>
+              <a:rPr lang="en-US" altLang="ko-KR" dirty="0"/>
+              <a:t>.</a:t>
+            </a:r>
+            <a:endParaRPr lang="ko-KR" altLang="en-US" dirty="0"/>
+          </a:p>
+        </p:txBody>
+      </p:sp>
     </p:spTree>
     <p:extLst>
       <p:ext uri="{BB962C8B-B14F-4D97-AF65-F5344CB8AC3E}">
         <p14:creationId xmlns:p14="http://schemas.microsoft.com/office/powerpoint/2010/main" val="4184321784"/>
+      </p:ext>
+    </p:extLst>
+  </p:cSld>
+  <p:clrMapOvr>
+    <a:masterClrMapping/>
+  </p:clrMapOvr>
+</p:sld>
+</file>
+
+<file path=ppt/slides/slide5.xml><?xml version="1.0" encoding="utf-8"?>
+<p:sld xmlns:a="http://schemas.openxmlformats.org/drawingml/2006/main" xmlns:r="http://schemas.openxmlformats.org/officeDocument/2006/relationships" xmlns:p="http://schemas.openxmlformats.org/presentationml/2006/main">
+  <p:cSld>
+    <p:spTree>
+      <p:nvGrpSpPr>
+        <p:cNvPr id="1" name=""/>
+        <p:cNvGrpSpPr/>
+        <p:nvPr/>
+      </p:nvGrpSpPr>
+      <p:grpSpPr>
+        <a:xfrm>
+          <a:off x="0" y="0"/>
+          <a:ext cx="0" cy="0"/>
+          <a:chOff x="0" y="0"/>
+          <a:chExt cx="0" cy="0"/>
+        </a:xfrm>
+      </p:grpSpPr>
+      <p:sp>
+        <p:nvSpPr>
+          <p:cNvPr id="2" name="제목 1">
+            <a:extLst>
+              <a:ext uri="{FF2B5EF4-FFF2-40B4-BE49-F238E27FC236}">
+                <a16:creationId xmlns:a16="http://schemas.microsoft.com/office/drawing/2014/main" id="{B0C4567E-2784-4CF6-87D7-E45AC0ADAEF3}"/>
+              </a:ext>
+            </a:extLst>
+          </p:cNvPr>
+          <p:cNvSpPr>
+            <a:spLocks noGrp="1"/>
+          </p:cNvSpPr>
+          <p:nvPr>
+            <p:ph type="title"/>
+          </p:nvPr>
+        </p:nvSpPr>
+        <p:spPr/>
+        <p:txBody>
+          <a:bodyPr/>
+          <a:lstStyle/>
+          <a:p>
+            <a:r>
+              <a:rPr lang="en-US" altLang="ko-KR" dirty="0"/>
+              <a:t>Generator</a:t>
+            </a:r>
+            <a:endParaRPr lang="ko-KR" altLang="en-US" dirty="0"/>
+          </a:p>
+        </p:txBody>
+      </p:sp>
+      <p:pic>
+        <p:nvPicPr>
+          <p:cNvPr id="4" name="내용 개체 틀 3">
+            <a:extLst>
+              <a:ext uri="{FF2B5EF4-FFF2-40B4-BE49-F238E27FC236}">
+                <a16:creationId xmlns:a16="http://schemas.microsoft.com/office/drawing/2014/main" id="{D5A4ED07-601E-402C-8476-510FBA7A881F}"/>
+              </a:ext>
+            </a:extLst>
+          </p:cNvPr>
+          <p:cNvPicPr>
+            <a:picLocks noGrp="1" noChangeAspect="1"/>
+          </p:cNvPicPr>
+          <p:nvPr>
+            <p:ph idx="1"/>
+          </p:nvPr>
+        </p:nvPicPr>
+        <p:blipFill>
+          <a:blip r:embed="rId2"/>
+          <a:stretch>
+            <a:fillRect/>
+          </a:stretch>
+        </p:blipFill>
+        <p:spPr>
+          <a:xfrm>
+            <a:off x="838200" y="1690688"/>
+            <a:ext cx="8277225" cy="3390900"/>
+          </a:xfrm>
+          <a:prstGeom prst="rect">
+            <a:avLst/>
+          </a:prstGeom>
+        </p:spPr>
+      </p:pic>
+      <p:sp>
+        <p:nvSpPr>
+          <p:cNvPr id="5" name="TextBox 4">
+            <a:extLst>
+              <a:ext uri="{FF2B5EF4-FFF2-40B4-BE49-F238E27FC236}">
+                <a16:creationId xmlns:a16="http://schemas.microsoft.com/office/drawing/2014/main" id="{0960F1C2-0007-4736-B67A-BB29929B6D35}"/>
+              </a:ext>
+            </a:extLst>
+          </p:cNvPr>
+          <p:cNvSpPr txBox="1"/>
+          <p:nvPr/>
+        </p:nvSpPr>
+        <p:spPr>
+          <a:xfrm>
+            <a:off x="1077686" y="5502729"/>
+            <a:ext cx="5228996" cy="369332"/>
+          </a:xfrm>
+          <a:prstGeom prst="rect">
+            <a:avLst/>
+          </a:prstGeom>
+          <a:noFill/>
+        </p:spPr>
+        <p:txBody>
+          <a:bodyPr wrap="none" rtlCol="0">
+            <a:spAutoFit/>
+          </a:bodyPr>
+          <a:lstStyle/>
+          <a:p>
+            <a:r>
+              <a:rPr lang="ko-KR" altLang="en-US" dirty="0"/>
+              <a:t>노이즈 </a:t>
+            </a:r>
+            <a:r>
+              <a:rPr lang="en-US" altLang="ko-KR" dirty="0"/>
+              <a:t>-&gt; Discriminator</a:t>
+            </a:r>
+            <a:r>
+              <a:rPr lang="ko-KR" altLang="en-US" dirty="0"/>
+              <a:t>에서 사용할 컬러 이미지</a:t>
+            </a:r>
+          </a:p>
+        </p:txBody>
+      </p:sp>
+      <p:cxnSp>
+        <p:nvCxnSpPr>
+          <p:cNvPr id="7" name="직선 화살표 연결선 6">
+            <a:extLst>
+              <a:ext uri="{FF2B5EF4-FFF2-40B4-BE49-F238E27FC236}">
+                <a16:creationId xmlns:a16="http://schemas.microsoft.com/office/drawing/2014/main" id="{3E26224E-3E98-4D97-AB9B-1AF78C40F423}"/>
+              </a:ext>
+            </a:extLst>
+          </p:cNvPr>
+          <p:cNvCxnSpPr/>
+          <p:nvPr/>
+        </p:nvCxnSpPr>
+        <p:spPr>
+          <a:xfrm>
+            <a:off x="1280160" y="2032000"/>
+            <a:ext cx="3048000" cy="0"/>
+          </a:xfrm>
+          <a:prstGeom prst="straightConnector1">
+            <a:avLst/>
+          </a:prstGeom>
+          <a:ln>
+            <a:tailEnd type="triangle"/>
+          </a:ln>
+        </p:spPr>
+        <p:style>
+          <a:lnRef idx="1">
+            <a:schemeClr val="accent1"/>
+          </a:lnRef>
+          <a:fillRef idx="0">
+            <a:schemeClr val="accent1"/>
+          </a:fillRef>
+          <a:effectRef idx="0">
+            <a:schemeClr val="accent1"/>
+          </a:effectRef>
+          <a:fontRef idx="minor">
+            <a:schemeClr val="tx1"/>
+          </a:fontRef>
+        </p:style>
+      </p:cxnSp>
+      <p:sp>
+        <p:nvSpPr>
+          <p:cNvPr id="8" name="TextBox 7">
+            <a:extLst>
+              <a:ext uri="{FF2B5EF4-FFF2-40B4-BE49-F238E27FC236}">
+                <a16:creationId xmlns:a16="http://schemas.microsoft.com/office/drawing/2014/main" id="{99F95E86-5D0A-4B8F-89D8-D0378240AAF6}"/>
+              </a:ext>
+            </a:extLst>
+          </p:cNvPr>
+          <p:cNvSpPr txBox="1"/>
+          <p:nvPr/>
+        </p:nvSpPr>
+        <p:spPr>
+          <a:xfrm>
+            <a:off x="1595120" y="1690688"/>
+            <a:ext cx="5194179" cy="369332"/>
+          </a:xfrm>
+          <a:prstGeom prst="rect">
+            <a:avLst/>
+          </a:prstGeom>
+          <a:noFill/>
+        </p:spPr>
+        <p:txBody>
+          <a:bodyPr wrap="none" rtlCol="0">
+            <a:spAutoFit/>
+          </a:bodyPr>
+          <a:lstStyle/>
+          <a:p>
+            <a:r>
+              <a:rPr lang="ko-KR" altLang="en-US" dirty="0"/>
+              <a:t>이미지 크기 증가</a:t>
+            </a:r>
+            <a:r>
+              <a:rPr lang="en-US" altLang="ko-KR" dirty="0"/>
+              <a:t>(fractional-</a:t>
+            </a:r>
+            <a:r>
+              <a:rPr lang="en-US" altLang="ko-KR" dirty="0" err="1"/>
+              <a:t>strided</a:t>
+            </a:r>
+            <a:r>
+              <a:rPr lang="en-US" altLang="ko-KR" dirty="0"/>
+              <a:t> convolution)</a:t>
+            </a:r>
+            <a:endParaRPr lang="ko-KR" altLang="en-US" dirty="0"/>
+          </a:p>
+        </p:txBody>
+      </p:sp>
+    </p:spTree>
+    <p:extLst>
+      <p:ext uri="{BB962C8B-B14F-4D97-AF65-F5344CB8AC3E}">
+        <p14:creationId xmlns:p14="http://schemas.microsoft.com/office/powerpoint/2010/main" val="735782686"/>
+      </p:ext>
+    </p:extLst>
+  </p:cSld>
+  <p:clrMapOvr>
+    <a:masterClrMapping/>
+  </p:clrMapOvr>
+</p:sld>
+</file>
+
+<file path=ppt/slides/slide6.xml><?xml version="1.0" encoding="utf-8"?>
+<p:sld xmlns:a="http://schemas.openxmlformats.org/drawingml/2006/main" xmlns:r="http://schemas.openxmlformats.org/officeDocument/2006/relationships" xmlns:p="http://schemas.openxmlformats.org/presentationml/2006/main">
+  <p:cSld>
+    <p:spTree>
+      <p:nvGrpSpPr>
+        <p:cNvPr id="1" name=""/>
+        <p:cNvGrpSpPr/>
+        <p:nvPr/>
+      </p:nvGrpSpPr>
+      <p:grpSpPr>
+        <a:xfrm>
+          <a:off x="0" y="0"/>
+          <a:ext cx="0" cy="0"/>
+          <a:chOff x="0" y="0"/>
+          <a:chExt cx="0" cy="0"/>
+        </a:xfrm>
+      </p:grpSpPr>
+      <p:sp>
+        <p:nvSpPr>
+          <p:cNvPr id="2" name="제목 1">
+            <a:extLst>
+              <a:ext uri="{FF2B5EF4-FFF2-40B4-BE49-F238E27FC236}">
+                <a16:creationId xmlns:a16="http://schemas.microsoft.com/office/drawing/2014/main" id="{65934BE2-F366-4767-B452-7B14FA795AA7}"/>
+              </a:ext>
+            </a:extLst>
+          </p:cNvPr>
+          <p:cNvSpPr>
+            <a:spLocks noGrp="1"/>
+          </p:cNvSpPr>
+          <p:nvPr>
+            <p:ph type="title"/>
+          </p:nvPr>
+        </p:nvSpPr>
+        <p:spPr/>
+        <p:txBody>
+          <a:bodyPr/>
+          <a:lstStyle/>
+          <a:p>
+            <a:r>
+              <a:rPr lang="en-US" altLang="ko-KR" dirty="0"/>
+              <a:t>Generator</a:t>
+            </a:r>
+            <a:endParaRPr lang="ko-KR" altLang="en-US" dirty="0"/>
+          </a:p>
+        </p:txBody>
+      </p:sp>
+      <p:pic>
+        <p:nvPicPr>
+          <p:cNvPr id="4" name="내용 개체 틀 3">
+            <a:extLst>
+              <a:ext uri="{FF2B5EF4-FFF2-40B4-BE49-F238E27FC236}">
+                <a16:creationId xmlns:a16="http://schemas.microsoft.com/office/drawing/2014/main" id="{8911D4E9-C9AF-40CA-B0D0-7A0D732840B2}"/>
+              </a:ext>
+            </a:extLst>
+          </p:cNvPr>
+          <p:cNvPicPr>
+            <a:picLocks noGrp="1" noChangeAspect="1"/>
+          </p:cNvPicPr>
+          <p:nvPr>
+            <p:ph idx="1"/>
+          </p:nvPr>
+        </p:nvPicPr>
+        <p:blipFill>
+          <a:blip r:embed="rId2"/>
+          <a:stretch>
+            <a:fillRect/>
+          </a:stretch>
+        </p:blipFill>
+        <p:spPr>
+          <a:xfrm>
+            <a:off x="3924539" y="1009818"/>
+            <a:ext cx="8267461" cy="5848182"/>
+          </a:xfrm>
+          <a:prstGeom prst="rect">
+            <a:avLst/>
+          </a:prstGeom>
+        </p:spPr>
+      </p:pic>
+    </p:spTree>
+    <p:extLst>
+      <p:ext uri="{BB962C8B-B14F-4D97-AF65-F5344CB8AC3E}">
+        <p14:creationId xmlns:p14="http://schemas.microsoft.com/office/powerpoint/2010/main" val="265919853"/>
+      </p:ext>
+    </p:extLst>
+  </p:cSld>
+  <p:clrMapOvr>
+    <a:masterClrMapping/>
+  </p:clrMapOvr>
+</p:sld>
+</file>
+
+<file path=ppt/slides/slide7.xml><?xml version="1.0" encoding="utf-8"?>
+<p:sld xmlns:a="http://schemas.openxmlformats.org/drawingml/2006/main" xmlns:r="http://schemas.openxmlformats.org/officeDocument/2006/relationships" xmlns:p="http://schemas.openxmlformats.org/presentationml/2006/main">
+  <p:cSld>
+    <p:spTree>
+      <p:nvGrpSpPr>
+        <p:cNvPr id="1" name=""/>
+        <p:cNvGrpSpPr/>
+        <p:nvPr/>
+      </p:nvGrpSpPr>
+      <p:grpSpPr>
+        <a:xfrm>
+          <a:off x="0" y="0"/>
+          <a:ext cx="0" cy="0"/>
+          <a:chOff x="0" y="0"/>
+          <a:chExt cx="0" cy="0"/>
+        </a:xfrm>
+      </p:grpSpPr>
+      <p:sp>
+        <p:nvSpPr>
+          <p:cNvPr id="2" name="제목 1">
+            <a:extLst>
+              <a:ext uri="{FF2B5EF4-FFF2-40B4-BE49-F238E27FC236}">
+                <a16:creationId xmlns:a16="http://schemas.microsoft.com/office/drawing/2014/main" id="{85F1C752-6993-4701-AD55-529BB668C87C}"/>
+              </a:ext>
+            </a:extLst>
+          </p:cNvPr>
+          <p:cNvSpPr>
+            <a:spLocks noGrp="1"/>
+          </p:cNvSpPr>
+          <p:nvPr>
+            <p:ph type="title"/>
+          </p:nvPr>
+        </p:nvSpPr>
+        <p:spPr/>
+        <p:txBody>
+          <a:bodyPr/>
+          <a:lstStyle/>
+          <a:p>
+            <a:r>
+              <a:rPr lang="en-US" altLang="ko-KR" dirty="0" err="1"/>
+              <a:t>Discriminater</a:t>
+            </a:r>
+            <a:endParaRPr lang="ko-KR" altLang="en-US" dirty="0"/>
+          </a:p>
+        </p:txBody>
+      </p:sp>
+      <p:pic>
+        <p:nvPicPr>
+          <p:cNvPr id="4" name="내용 개체 틀 3">
+            <a:extLst>
+              <a:ext uri="{FF2B5EF4-FFF2-40B4-BE49-F238E27FC236}">
+                <a16:creationId xmlns:a16="http://schemas.microsoft.com/office/drawing/2014/main" id="{33280923-A31D-4DA6-A91D-32395F60AFD4}"/>
+              </a:ext>
+            </a:extLst>
+          </p:cNvPr>
+          <p:cNvPicPr>
+            <a:picLocks noGrp="1" noChangeAspect="1"/>
+          </p:cNvPicPr>
+          <p:nvPr>
+            <p:ph idx="1"/>
+          </p:nvPr>
+        </p:nvPicPr>
+        <p:blipFill>
+          <a:blip r:embed="rId2"/>
+          <a:stretch>
+            <a:fillRect/>
+          </a:stretch>
+        </p:blipFill>
+        <p:spPr>
+          <a:xfrm>
+            <a:off x="4391241" y="1574800"/>
+            <a:ext cx="7800759" cy="5283200"/>
+          </a:xfrm>
+          <a:prstGeom prst="rect">
+            <a:avLst/>
+          </a:prstGeom>
+        </p:spPr>
+      </p:pic>
+    </p:spTree>
+    <p:extLst>
+      <p:ext uri="{BB962C8B-B14F-4D97-AF65-F5344CB8AC3E}">
+        <p14:creationId xmlns:p14="http://schemas.microsoft.com/office/powerpoint/2010/main" val="1288940246"/>
+      </p:ext>
+    </p:extLst>
+  </p:cSld>
+  <p:clrMapOvr>
+    <a:masterClrMapping/>
+  </p:clrMapOvr>
+</p:sld>
+</file>
+
+<file path=ppt/slides/slide8.xml><?xml version="1.0" encoding="utf-8"?>
+<p:sld xmlns:a="http://schemas.openxmlformats.org/drawingml/2006/main" xmlns:r="http://schemas.openxmlformats.org/officeDocument/2006/relationships" xmlns:p="http://schemas.openxmlformats.org/presentationml/2006/main">
+  <p:cSld>
+    <p:spTree>
+      <p:nvGrpSpPr>
+        <p:cNvPr id="1" name=""/>
+        <p:cNvGrpSpPr/>
+        <p:nvPr/>
+      </p:nvGrpSpPr>
+      <p:grpSpPr>
+        <a:xfrm>
+          <a:off x="0" y="0"/>
+          <a:ext cx="0" cy="0"/>
+          <a:chOff x="0" y="0"/>
+          <a:chExt cx="0" cy="0"/>
+        </a:xfrm>
+      </p:grpSpPr>
+      <p:sp>
+        <p:nvSpPr>
+          <p:cNvPr id="2" name="제목 1">
+            <a:extLst>
+              <a:ext uri="{FF2B5EF4-FFF2-40B4-BE49-F238E27FC236}">
+                <a16:creationId xmlns:a16="http://schemas.microsoft.com/office/drawing/2014/main" id="{580B7D6D-4AE2-4A97-B19A-CD68A3C1B56F}"/>
+              </a:ext>
+            </a:extLst>
+          </p:cNvPr>
+          <p:cNvSpPr>
+            <a:spLocks noGrp="1"/>
+          </p:cNvSpPr>
+          <p:nvPr>
+            <p:ph type="title"/>
+          </p:nvPr>
+        </p:nvSpPr>
+        <p:spPr/>
+        <p:txBody>
+          <a:bodyPr/>
+          <a:lstStyle/>
+          <a:p>
+            <a:r>
+              <a:rPr lang="en-US" altLang="ko-KR" dirty="0"/>
+              <a:t>Leaky </a:t>
+            </a:r>
+            <a:r>
+              <a:rPr lang="en-US" altLang="ko-KR" dirty="0" err="1"/>
+              <a:t>ReLU</a:t>
+            </a:r>
+            <a:endParaRPr lang="ko-KR" altLang="en-US" dirty="0"/>
+          </a:p>
+        </p:txBody>
+      </p:sp>
+      <p:pic>
+        <p:nvPicPr>
+          <p:cNvPr id="4" name="내용 개체 틀 3">
+            <a:extLst>
+              <a:ext uri="{FF2B5EF4-FFF2-40B4-BE49-F238E27FC236}">
+                <a16:creationId xmlns:a16="http://schemas.microsoft.com/office/drawing/2014/main" id="{C624FA53-2E00-4D81-8F2E-EF9D58D0CF8F}"/>
+              </a:ext>
+            </a:extLst>
+          </p:cNvPr>
+          <p:cNvPicPr>
+            <a:picLocks noGrp="1" noChangeAspect="1"/>
+          </p:cNvPicPr>
+          <p:nvPr>
+            <p:ph idx="1"/>
+          </p:nvPr>
+        </p:nvPicPr>
+        <p:blipFill>
+          <a:blip r:embed="rId2"/>
+          <a:stretch>
+            <a:fillRect/>
+          </a:stretch>
+        </p:blipFill>
+        <p:spPr>
+          <a:xfrm>
+            <a:off x="838200" y="1690688"/>
+            <a:ext cx="8682727" cy="3695541"/>
+          </a:xfrm>
+          <a:prstGeom prst="rect">
+            <a:avLst/>
+          </a:prstGeom>
+        </p:spPr>
+      </p:pic>
+      <p:sp>
+        <p:nvSpPr>
+          <p:cNvPr id="5" name="TextBox 4">
+            <a:extLst>
+              <a:ext uri="{FF2B5EF4-FFF2-40B4-BE49-F238E27FC236}">
+                <a16:creationId xmlns:a16="http://schemas.microsoft.com/office/drawing/2014/main" id="{9DED8EE2-9832-4532-95CD-ED6ACD98459C}"/>
+              </a:ext>
+            </a:extLst>
+          </p:cNvPr>
+          <p:cNvSpPr txBox="1"/>
+          <p:nvPr/>
+        </p:nvSpPr>
+        <p:spPr>
+          <a:xfrm>
+            <a:off x="1016000" y="5709920"/>
+            <a:ext cx="6981398" cy="369332"/>
+          </a:xfrm>
+          <a:prstGeom prst="rect">
+            <a:avLst/>
+          </a:prstGeom>
+          <a:noFill/>
+        </p:spPr>
+        <p:txBody>
+          <a:bodyPr wrap="none" rtlCol="0">
+            <a:spAutoFit/>
+          </a:bodyPr>
+          <a:lstStyle/>
+          <a:p>
+            <a:r>
+              <a:rPr lang="ko-KR" altLang="en-US" dirty="0"/>
+              <a:t>값이 음수가 나오면 </a:t>
+            </a:r>
+            <a:r>
+              <a:rPr lang="en-US" altLang="ko-KR" dirty="0"/>
+              <a:t>0 </a:t>
+            </a:r>
+            <a:r>
+              <a:rPr lang="ko-KR" altLang="en-US" dirty="0" err="1"/>
+              <a:t>이되어</a:t>
+            </a:r>
+            <a:r>
+              <a:rPr lang="ko-KR" altLang="en-US" dirty="0"/>
+              <a:t> 더 이상 학습 되지 않는 문제를 해결</a:t>
+            </a:r>
+          </a:p>
+        </p:txBody>
+      </p:sp>
+    </p:spTree>
+    <p:extLst>
+      <p:ext uri="{BB962C8B-B14F-4D97-AF65-F5344CB8AC3E}">
+        <p14:creationId xmlns:p14="http://schemas.microsoft.com/office/powerpoint/2010/main" val="1793448492"/>
+      </p:ext>
+    </p:extLst>
+  </p:cSld>
+  <p:clrMapOvr>
+    <a:masterClrMapping/>
+  </p:clrMapOvr>
+</p:sld>
+</file>
+
+<file path=ppt/slides/slide9.xml><?xml version="1.0" encoding="utf-8"?>
+<p:sld xmlns:a="http://schemas.openxmlformats.org/drawingml/2006/main" xmlns:r="http://schemas.openxmlformats.org/officeDocument/2006/relationships" xmlns:p="http://schemas.openxmlformats.org/presentationml/2006/main">
+  <p:cSld>
+    <p:spTree>
+      <p:nvGrpSpPr>
+        <p:cNvPr id="1" name=""/>
+        <p:cNvGrpSpPr/>
+        <p:nvPr/>
+      </p:nvGrpSpPr>
+      <p:grpSpPr>
+        <a:xfrm>
+          <a:off x="0" y="0"/>
+          <a:ext cx="0" cy="0"/>
+          <a:chOff x="0" y="0"/>
+          <a:chExt cx="0" cy="0"/>
+        </a:xfrm>
+      </p:grpSpPr>
+      <p:sp>
+        <p:nvSpPr>
+          <p:cNvPr id="2" name="제목 1">
+            <a:extLst>
+              <a:ext uri="{FF2B5EF4-FFF2-40B4-BE49-F238E27FC236}">
+                <a16:creationId xmlns:a16="http://schemas.microsoft.com/office/drawing/2014/main" id="{6E61957F-B5F2-4E9A-AB58-9DF532C6787A}"/>
+              </a:ext>
+            </a:extLst>
+          </p:cNvPr>
+          <p:cNvSpPr>
+            <a:spLocks noGrp="1"/>
+          </p:cNvSpPr>
+          <p:nvPr>
+            <p:ph type="title"/>
+          </p:nvPr>
+        </p:nvSpPr>
+        <p:spPr/>
+        <p:txBody>
+          <a:bodyPr/>
+          <a:lstStyle/>
+          <a:p>
+            <a:endParaRPr lang="ko-KR" altLang="en-US"/>
+          </a:p>
+        </p:txBody>
+      </p:sp>
+      <p:sp>
+        <p:nvSpPr>
+          <p:cNvPr id="3" name="내용 개체 틀 2">
+            <a:extLst>
+              <a:ext uri="{FF2B5EF4-FFF2-40B4-BE49-F238E27FC236}">
+                <a16:creationId xmlns:a16="http://schemas.microsoft.com/office/drawing/2014/main" id="{DC42BD55-1D07-4419-9004-B43B808CC6E2}"/>
+              </a:ext>
+            </a:extLst>
+          </p:cNvPr>
+          <p:cNvSpPr>
+            <a:spLocks noGrp="1"/>
+          </p:cNvSpPr>
+          <p:nvPr>
+            <p:ph idx="1"/>
+          </p:nvPr>
+        </p:nvSpPr>
+        <p:spPr/>
+        <p:txBody>
+          <a:bodyPr/>
+          <a:lstStyle/>
+          <a:p>
+            <a:endParaRPr lang="ko-KR" altLang="en-US"/>
+          </a:p>
+        </p:txBody>
+      </p:sp>
+    </p:spTree>
+    <p:extLst>
+      <p:ext uri="{BB962C8B-B14F-4D97-AF65-F5344CB8AC3E}">
+        <p14:creationId xmlns:p14="http://schemas.microsoft.com/office/powerpoint/2010/main" val="2652107550"/>
       </p:ext>
     </p:extLst>
   </p:cSld>
